--- a/src/site/resources/präsentation-wjax.pptx
+++ b/src/site/resources/präsentation-wjax.pptx
@@ -9163,7 +9163,7 @@
               <a:pPr>
                 <a:defRPr/>
               </a:pPr>
-              <a:t>31.10.2024</a:t>
+              <a:t>07.11.2024</a:t>
             </a:fld>
             <a:endParaRPr lang="de-DE" dirty="0"/>
           </a:p>
@@ -9393,7 +9393,7 @@
               <a:pPr>
                 <a:defRPr/>
               </a:pPr>
-              <a:t>31.10.2024</a:t>
+              <a:t>07.11.2024</a:t>
             </a:fld>
             <a:endParaRPr lang="de-DE" dirty="0"/>
           </a:p>
@@ -20926,7 +20926,7 @@
         </p:nvGrpSpPr>
         <p:grpSpPr>
           <a:xfrm>
-            <a:off x="7982773" y="3761883"/>
+            <a:off x="8173240" y="4268014"/>
             <a:ext cx="3875542" cy="1912062"/>
             <a:chOff x="7982773" y="3761883"/>
             <a:chExt cx="3875542" cy="1912062"/>
@@ -27100,7 +27100,7 @@
         </p:nvSpPr>
         <p:spPr>
           <a:xfrm>
-            <a:off x="5881816" y="1219199"/>
+            <a:off x="7107326" y="1216227"/>
             <a:ext cx="5020926" cy="646331"/>
           </a:xfrm>
           <a:prstGeom prst="rect">
@@ -27152,7 +27152,7 @@
         </p:nvSpPr>
         <p:spPr>
           <a:xfrm>
-            <a:off x="6096000" y="3699807"/>
+            <a:off x="7438238" y="3627100"/>
             <a:ext cx="2377574" cy="369332"/>
           </a:xfrm>
           <a:prstGeom prst="rect">
@@ -27187,7 +27187,7 @@
         </p:nvSpPr>
         <p:spPr>
           <a:xfrm>
-            <a:off x="7323571" y="2459503"/>
+            <a:off x="5677287" y="2318031"/>
             <a:ext cx="3940502" cy="646331"/>
           </a:xfrm>
           <a:prstGeom prst="rect">
@@ -27265,10 +27265,10 @@
       </p:sp>
       <p:sp>
         <p:nvSpPr>
-          <p:cNvPr id="10" name="Textfeld 9">
+          <p:cNvPr id="11" name="Textfeld 10">
             <a:extLst>
               <a:ext uri="{FF2B5EF4-FFF2-40B4-BE49-F238E27FC236}">
-                <a16:creationId xmlns:a16="http://schemas.microsoft.com/office/drawing/2014/main" id="{AF9EA5C7-44D9-3E87-0118-7A452840E451}"/>
+                <a16:creationId xmlns:a16="http://schemas.microsoft.com/office/drawing/2014/main" id="{7D16BA16-1782-C238-5A95-CA78AA3E9CFD}"/>
               </a:ext>
             </a:extLst>
           </p:cNvPr>
@@ -27277,53 +27277,7 @@
         </p:nvSpPr>
         <p:spPr>
           <a:xfrm>
-            <a:off x="8083293" y="4821364"/>
-            <a:ext cx="3036409" cy="646331"/>
-          </a:xfrm>
-          <a:prstGeom prst="rect">
-            <a:avLst/>
-          </a:prstGeom>
-          <a:noFill/>
-        </p:spPr>
-        <p:txBody>
-          <a:bodyPr wrap="none" rtlCol="0">
-            <a:spAutoFit/>
-          </a:bodyPr>
-          <a:lstStyle/>
-          <a:p>
-            <a:r>
-              <a:rPr lang="de-DE" dirty="0"/>
-              <a:t>Integriert sich gut in Java EE</a:t>
-            </a:r>
-            <a:br>
-              <a:rPr lang="de-DE" dirty="0"/>
-            </a:br>
-            <a:r>
-              <a:rPr lang="de-DE" dirty="0" err="1"/>
-              <a:t>Application</a:t>
-            </a:r>
-            <a:r>
-              <a:rPr lang="de-DE" dirty="0"/>
-              <a:t> Server</a:t>
-            </a:r>
-          </a:p>
-        </p:txBody>
-      </p:sp>
-      <p:sp>
-        <p:nvSpPr>
-          <p:cNvPr id="11" name="Textfeld 10">
-            <a:extLst>
-              <a:ext uri="{FF2B5EF4-FFF2-40B4-BE49-F238E27FC236}">
-                <a16:creationId xmlns:a16="http://schemas.microsoft.com/office/drawing/2014/main" id="{7D16BA16-1782-C238-5A95-CA78AA3E9CFD}"/>
-              </a:ext>
-            </a:extLst>
-          </p:cNvPr>
-          <p:cNvSpPr txBox="1"/>
-          <p:nvPr/>
-        </p:nvSpPr>
-        <p:spPr>
-          <a:xfrm>
-            <a:off x="4409491" y="5401776"/>
+            <a:off x="6063241" y="4775071"/>
             <a:ext cx="2904962" cy="646331"/>
           </a:xfrm>
           <a:prstGeom prst="rect">
